--- a/images/shell_sort.pptx
+++ b/images/shell_sort.pptx
@@ -104,6 +104,11 @@
       </a:defRPr>
     </a:lvl9pPr>
   </p:defaultTextStyle>
+  <p:extLst>
+    <p:ext uri="{EFAFB233-063F-42B5-8137-9DF3F51BA10A}">
+      <p15:sldGuideLst xmlns:p15="http://schemas.microsoft.com/office/powerpoint/2012/main"/>
+    </p:ext>
+  </p:extLst>
 </p:presentation>
 </file>
 
@@ -5353,6 +5358,98 @@
           </a:p>
         </p:txBody>
       </p:sp>
+      <p:sp>
+        <p:nvSpPr>
+          <p:cNvPr id="2" name="文本框 1"/>
+          <p:cNvSpPr txBox="1"/>
+          <p:nvPr/>
+        </p:nvSpPr>
+        <p:spPr>
+          <a:xfrm>
+            <a:off x="4243160" y="1204580"/>
+            <a:ext cx="3586431" cy="338554"/>
+          </a:xfrm>
+          <a:prstGeom prst="rect">
+            <a:avLst/>
+          </a:prstGeom>
+          <a:noFill/>
+        </p:spPr>
+        <p:txBody>
+          <a:bodyPr wrap="none" rtlCol="0">
+            <a:spAutoFit/>
+          </a:bodyPr>
+          <a:lstStyle/>
+          <a:p>
+            <a:r>
+              <a:rPr lang="en-US" altLang="zh-CN" sz="1600" dirty="0" smtClean="0"/>
+              <a:t>SHELLSORT WITH INCREMENTS 8, 4, 2, 1</a:t>
+            </a:r>
+            <a:endParaRPr lang="zh-CN" altLang="en-US" sz="1600" dirty="0"/>
+          </a:p>
+        </p:txBody>
+      </p:sp>
+      <p:cxnSp>
+        <p:nvCxnSpPr>
+          <p:cNvPr id="4" name="直接连接符 3"/>
+          <p:cNvCxnSpPr/>
+          <p:nvPr/>
+        </p:nvCxnSpPr>
+        <p:spPr>
+          <a:xfrm>
+            <a:off x="1613967" y="1665019"/>
+            <a:ext cx="8784000" cy="0"/>
+          </a:xfrm>
+          <a:prstGeom prst="line">
+            <a:avLst/>
+          </a:prstGeom>
+          <a:ln w="28575"/>
+        </p:spPr>
+        <p:style>
+          <a:lnRef idx="3">
+            <a:schemeClr val="dk1"/>
+          </a:lnRef>
+          <a:fillRef idx="0">
+            <a:schemeClr val="dk1"/>
+          </a:fillRef>
+          <a:effectRef idx="2">
+            <a:schemeClr val="dk1"/>
+          </a:effectRef>
+          <a:fontRef idx="minor">
+            <a:schemeClr val="tx1"/>
+          </a:fontRef>
+        </p:style>
+      </p:cxnSp>
+      <p:cxnSp>
+        <p:nvCxnSpPr>
+          <p:cNvPr id="75" name="直接连接符 74"/>
+          <p:cNvCxnSpPr/>
+          <p:nvPr/>
+        </p:nvCxnSpPr>
+        <p:spPr>
+          <a:xfrm>
+            <a:off x="1609663" y="5191648"/>
+            <a:ext cx="8784000" cy="0"/>
+          </a:xfrm>
+          <a:prstGeom prst="line">
+            <a:avLst/>
+          </a:prstGeom>
+          <a:ln w="28575"/>
+        </p:spPr>
+        <p:style>
+          <a:lnRef idx="3">
+            <a:schemeClr val="dk1"/>
+          </a:lnRef>
+          <a:fillRef idx="0">
+            <a:schemeClr val="dk1"/>
+          </a:fillRef>
+          <a:effectRef idx="2">
+            <a:schemeClr val="dk1"/>
+          </a:effectRef>
+          <a:fontRef idx="minor">
+            <a:schemeClr val="tx1"/>
+          </a:fontRef>
+        </p:style>
+      </p:cxnSp>
     </p:spTree>
     <p:extLst>
       <p:ext uri="{BB962C8B-B14F-4D97-AF65-F5344CB8AC3E}">
